--- a/Documents/Technology-Roadmap-PowerPoint-template (1).pptx
+++ b/Documents/Technology-Roadmap-PowerPoint-template (1).pptx
@@ -4790,15 +4790,12 @@
           </a:bodyPr>
           <a:lstStyle/>
           <a:p>
-            <a:r>
-              <a:rPr lang="en-US" sz="1400" spc="-30" dirty="0">
-                <a:solidFill>
-                  <a:schemeClr val="dk1"/>
-                </a:solidFill>
-                <a:latin typeface="Calibri" panose="020F0502020204030204" pitchFamily="34" charset="0"/>
-              </a:rPr>
-              <a:t>Q</a:t>
-            </a:r>
+            <a:endParaRPr lang="en-US" sz="1400" spc="-30" dirty="0">
+              <a:solidFill>
+                <a:schemeClr val="dk1"/>
+              </a:solidFill>
+              <a:latin typeface="Calibri" panose="020F0502020204030204" pitchFamily="34" charset="0"/>
+            </a:endParaRPr>
           </a:p>
         </p:txBody>
       </p:sp>

--- a/Documents/Technology-Roadmap-PowerPoint-template (1).pptx
+++ b/Documents/Technology-Roadmap-PowerPoint-template (1).pptx
@@ -4198,7 +4198,7 @@
         <p:spPr>
           <a:xfrm>
             <a:off x="4403288" y="4641343"/>
-            <a:ext cx="4323065" cy="231224"/>
+            <a:ext cx="5369362" cy="200560"/>
           </a:xfrm>
           <a:prstGeom prst="roundRect">
             <a:avLst/>
@@ -4269,8 +4269,8 @@
         </p:nvSpPr>
         <p:spPr>
           <a:xfrm>
-            <a:off x="3413234" y="5807710"/>
-            <a:ext cx="3175000" cy="203200"/>
+            <a:off x="2862745" y="5779686"/>
+            <a:ext cx="4144258" cy="231224"/>
           </a:xfrm>
           <a:prstGeom prst="roundRect">
             <a:avLst/>
@@ -4994,7 +4994,7 @@
         </p:nvSpPr>
         <p:spPr>
           <a:xfrm>
-            <a:off x="2069795" y="4644051"/>
+            <a:off x="2069795" y="4672626"/>
             <a:ext cx="1395851" cy="169277"/>
           </a:xfrm>
           <a:prstGeom prst="rect">
@@ -5036,8 +5036,8 @@
         </p:nvSpPr>
         <p:spPr>
           <a:xfrm>
-            <a:off x="4309000" y="4481867"/>
-            <a:ext cx="4417355" cy="338554"/>
+            <a:off x="4309000" y="4640019"/>
+            <a:ext cx="5701773" cy="169277"/>
           </a:xfrm>
           <a:prstGeom prst="rect">
             <a:avLst/>
@@ -5055,19 +5055,7 @@
               <a:rPr lang="en-US" sz="1100" b="1" spc="-4" dirty="0">
                 <a:latin typeface="Calibri" panose="020F0502020204030204" pitchFamily="34" charset="0"/>
               </a:rPr>
-              <a:t>Email and SMS subscription will be added notify about the current </a:t>
-            </a:r>
-            <a:r>
-              <a:rPr lang="en-US" sz="1100" b="1" spc="-4" dirty="0" err="1">
-                <a:latin typeface="Calibri" panose="020F0502020204030204" pitchFamily="34" charset="0"/>
-              </a:rPr>
-              <a:t>staus</a:t>
-            </a:r>
-            <a:r>
-              <a:rPr lang="en-US" sz="1100" b="1" spc="-4" dirty="0">
-                <a:latin typeface="Calibri" panose="020F0502020204030204" pitchFamily="34" charset="0"/>
-              </a:rPr>
-              <a:t> and forecasting</a:t>
+              <a:t>Email and SMS subscription will be added notify about the current status and forecasting</a:t>
             </a:r>
           </a:p>
         </p:txBody>
@@ -5090,7 +5078,7 @@
         </p:nvSpPr>
         <p:spPr>
           <a:xfrm>
-            <a:off x="2060578" y="5794320"/>
+            <a:off x="2697166" y="5794552"/>
             <a:ext cx="4527655" cy="169277"/>
           </a:xfrm>
           <a:prstGeom prst="rect">
@@ -5109,7 +5097,19 @@
               <a:rPr lang="en-US" sz="1100" b="1" spc="-6" dirty="0">
                 <a:latin typeface="Calibri" panose="020F0502020204030204" pitchFamily="34" charset="0"/>
               </a:rPr>
-              <a:t>Data analysis will be added on different types of food can be supplied </a:t>
+              <a:t>Data analysis will be added on </a:t>
+            </a:r>
+            <a:r>
+              <a:rPr lang="en-US" sz="1100" b="1" spc="-6">
+                <a:latin typeface="Calibri" panose="020F0502020204030204" pitchFamily="34" charset="0"/>
+              </a:rPr>
+              <a:t>different sources </a:t>
+            </a:r>
+            <a:r>
+              <a:rPr lang="en-US" sz="1100" b="1" spc="-6" dirty="0">
+                <a:latin typeface="Calibri" panose="020F0502020204030204" pitchFamily="34" charset="0"/>
+              </a:rPr>
+              <a:t>of food can be supplied </a:t>
             </a:r>
           </a:p>
         </p:txBody>
@@ -5759,8 +5759,8 @@
         </p:nvSpPr>
         <p:spPr>
           <a:xfrm>
-            <a:off x="7159635" y="5228824"/>
-            <a:ext cx="3832213" cy="117208"/>
+            <a:off x="6912085" y="5228824"/>
+            <a:ext cx="4079764" cy="188996"/>
           </a:xfrm>
           <a:prstGeom prst="chevron">
             <a:avLst/>
@@ -5810,28 +5810,12 @@
           <a:p>
             <a:pPr algn="ctr"/>
             <a:r>
-              <a:rPr lang="en-US" dirty="0">
-                <a:solidFill>
-                  <a:schemeClr val="tx1"/>
-                </a:solidFill>
-              </a:rPr>
-              <a:t>Promotional dashboards will be </a:t>
-            </a:r>
-            <a:r>
               <a:rPr lang="en-US" sz="1200" dirty="0">
                 <a:solidFill>
                   <a:schemeClr val="tx1"/>
                 </a:solidFill>
               </a:rPr>
-              <a:t>added</a:t>
-            </a:r>
-            <a:r>
-              <a:rPr lang="en-US" dirty="0">
-                <a:solidFill>
-                  <a:schemeClr val="tx1"/>
-                </a:solidFill>
-              </a:rPr>
-              <a:t> </a:t>
+              <a:t>Promotional dashboards will be added </a:t>
             </a:r>
           </a:p>
         </p:txBody>
